--- a/presentation/1-lappland.pptx
+++ b/presentation/1-lappland.pptx
@@ -143,6 +143,11 @@
       </a:defRPr>
     </a:lvl9pPr>
   </p:defaultTextStyle>
+  <p:extLst>
+    <p:ext uri="{EFAFB233-063F-42B5-8137-9DF3F51BA10A}">
+      <p15:sldGuideLst xmlns:p15="http://schemas.microsoft.com/office/powerpoint/2012/main"/>
+    </p:ext>
+  </p:extLst>
 </p:presentation>
 </file>
 
@@ -3382,10 +3387,10 @@
         </p:nvGrpSpPr>
         <p:grpSpPr>
           <a:xfrm>
-            <a:off x="3695394" y="5825561"/>
-            <a:ext cx="5359187" cy="944249"/>
-            <a:chOff x="2403922" y="4656638"/>
-            <a:chExt cx="5359187" cy="944249"/>
+            <a:off x="4034672" y="6010886"/>
+            <a:ext cx="5019909" cy="604375"/>
+            <a:chOff x="2743200" y="4841963"/>
+            <a:chExt cx="5019909" cy="604375"/>
           </a:xfrm>
         </p:grpSpPr>
         <p:sp>
@@ -3447,8 +3452,8 @@
           </p:blipFill>
           <p:spPr>
             <a:xfrm>
-              <a:off x="2403922" y="4656638"/>
-              <a:ext cx="942593" cy="944249"/>
+              <a:off x="2743200" y="4841963"/>
+              <a:ext cx="603315" cy="604375"/>
             </a:xfrm>
             <a:prstGeom prst="rect">
               <a:avLst/>
@@ -4290,8 +4295,8 @@
           </a:p>
         </p:txBody>
       </p:sp>
-      <mc:AlternateContent xmlns:mc="http://schemas.openxmlformats.org/markup-compatibility/2006">
-        <mc:Choice xmlns:a14="http://schemas.microsoft.com/office/drawing/2010/main" Requires="a14">
+      <mc:AlternateContent xmlns:mc="http://schemas.openxmlformats.org/markup-compatibility/2006" xmlns:a14="http://schemas.microsoft.com/office/drawing/2010/main">
+        <mc:Choice Requires="a14">
           <p:sp>
             <p:nvSpPr>
               <p:cNvPr id="5" name="文本框 4">
@@ -4687,7 +4692,7 @@
             </p:txBody>
           </p:sp>
         </mc:Choice>
-        <mc:Fallback>
+        <mc:Fallback xmlns="">
           <p:sp>
             <p:nvSpPr>
               <p:cNvPr id="5" name="文本框 4">
